--- a/presentations/Micro Services.pptx
+++ b/presentations/Micro Services.pptx
@@ -147,7 +147,7 @@
   </p:defaultTextStyle>
   <p:extLst>
     <p:ext uri="{EFAFB233-063F-42B5-8137-9DF3F51BA10A}">
-      <p15:sldGuideLst xmlns="" xmlns:p15="http://schemas.microsoft.com/office/powerpoint/2012/main"/>
+      <p15:sldGuideLst xmlns:p15="http://schemas.microsoft.com/office/powerpoint/2012/main" xmlns=""/>
     </p:ext>
   </p:extLst>
 </p:presentation>
@@ -235,7 +235,7 @@
           <a:p>
             <a:fld id="{16542825-36DF-4A30-B477-75AB8DFE2CAC}" type="datetimeFigureOut">
               <a:rPr lang="en-US"/>
-              <a:t>1/1/2018</a:t>
+              <a:t>2/20/2018</a:t>
             </a:fld>
             <a:endParaRPr lang="en-US"/>
           </a:p>
@@ -1471,7 +1471,7 @@
           <a:p>
             <a:fld id="{537FD41B-2D34-4005-9FF2-11F571AA1F7F}" type="datetimeFigureOut">
               <a:rPr lang="en-US" smtClean="0"/>
-              <a:t>1/1/2018</a:t>
+              <a:t>2/20/2018</a:t>
             </a:fld>
             <a:endParaRPr lang="en-US"/>
           </a:p>
@@ -1639,7 +1639,7 @@
           <a:p>
             <a:fld id="{537FD41B-2D34-4005-9FF2-11F571AA1F7F}" type="datetimeFigureOut">
               <a:rPr lang="en-US" smtClean="0"/>
-              <a:t>1/1/2018</a:t>
+              <a:t>2/20/2018</a:t>
             </a:fld>
             <a:endParaRPr lang="en-US"/>
           </a:p>
@@ -1817,7 +1817,7 @@
           <a:p>
             <a:fld id="{537FD41B-2D34-4005-9FF2-11F571AA1F7F}" type="datetimeFigureOut">
               <a:rPr lang="en-US" smtClean="0"/>
-              <a:t>1/1/2018</a:t>
+              <a:t>2/20/2018</a:t>
             </a:fld>
             <a:endParaRPr lang="en-US"/>
           </a:p>
@@ -1985,7 +1985,7 @@
           <a:p>
             <a:fld id="{537FD41B-2D34-4005-9FF2-11F571AA1F7F}" type="datetimeFigureOut">
               <a:rPr lang="en-US" smtClean="0"/>
-              <a:t>1/1/2018</a:t>
+              <a:t>2/20/2018</a:t>
             </a:fld>
             <a:endParaRPr lang="en-US"/>
           </a:p>
@@ -2230,7 +2230,7 @@
           <a:p>
             <a:fld id="{537FD41B-2D34-4005-9FF2-11F571AA1F7F}" type="datetimeFigureOut">
               <a:rPr lang="en-US" smtClean="0"/>
-              <a:t>1/1/2018</a:t>
+              <a:t>2/20/2018</a:t>
             </a:fld>
             <a:endParaRPr lang="en-US"/>
           </a:p>
@@ -2459,7 +2459,7 @@
           <a:p>
             <a:fld id="{537FD41B-2D34-4005-9FF2-11F571AA1F7F}" type="datetimeFigureOut">
               <a:rPr lang="en-US" smtClean="0"/>
-              <a:t>1/1/2018</a:t>
+              <a:t>2/20/2018</a:t>
             </a:fld>
             <a:endParaRPr lang="en-US"/>
           </a:p>
@@ -2823,7 +2823,7 @@
           <a:p>
             <a:fld id="{537FD41B-2D34-4005-9FF2-11F571AA1F7F}" type="datetimeFigureOut">
               <a:rPr lang="en-US" smtClean="0"/>
-              <a:t>1/1/2018</a:t>
+              <a:t>2/20/2018</a:t>
             </a:fld>
             <a:endParaRPr lang="en-US"/>
           </a:p>
@@ -2940,7 +2940,7 @@
           <a:p>
             <a:fld id="{537FD41B-2D34-4005-9FF2-11F571AA1F7F}" type="datetimeFigureOut">
               <a:rPr lang="en-US" smtClean="0"/>
-              <a:t>1/1/2018</a:t>
+              <a:t>2/20/2018</a:t>
             </a:fld>
             <a:endParaRPr lang="en-US"/>
           </a:p>
@@ -3035,7 +3035,7 @@
           <a:p>
             <a:fld id="{537FD41B-2D34-4005-9FF2-11F571AA1F7F}" type="datetimeFigureOut">
               <a:rPr lang="en-US" smtClean="0"/>
-              <a:t>1/1/2018</a:t>
+              <a:t>2/20/2018</a:t>
             </a:fld>
             <a:endParaRPr lang="en-US"/>
           </a:p>
@@ -3310,7 +3310,7 @@
           <a:p>
             <a:fld id="{537FD41B-2D34-4005-9FF2-11F571AA1F7F}" type="datetimeFigureOut">
               <a:rPr lang="en-US" smtClean="0"/>
-              <a:t>1/1/2018</a:t>
+              <a:t>2/20/2018</a:t>
             </a:fld>
             <a:endParaRPr lang="en-US"/>
           </a:p>
@@ -3562,7 +3562,7 @@
           <a:p>
             <a:fld id="{537FD41B-2D34-4005-9FF2-11F571AA1F7F}" type="datetimeFigureOut">
               <a:rPr lang="en-US" smtClean="0"/>
-              <a:t>1/1/2018</a:t>
+              <a:t>2/20/2018</a:t>
             </a:fld>
             <a:endParaRPr lang="en-US"/>
           </a:p>
@@ -3773,7 +3773,7 @@
           <a:p>
             <a:fld id="{537FD41B-2D34-4005-9FF2-11F571AA1F7F}" type="datetimeFigureOut">
               <a:rPr lang="en-US" smtClean="0"/>
-              <a:t>1/1/2018</a:t>
+              <a:t>2/20/2018</a:t>
             </a:fld>
             <a:endParaRPr lang="en-US"/>
           </a:p>
@@ -5167,8 +5167,19 @@
           <a:p>
             <a:r>
               <a:rPr lang="en-US" dirty="0"/>
-              <a:t>an architecture that embraces DevOps practices</a:t>
-            </a:r>
+              <a:t>an architecture that embraces DevOps </a:t>
+            </a:r>
+            <a:r>
+              <a:rPr lang="en-US" dirty="0" smtClean="0"/>
+              <a:t>practices</a:t>
+            </a:r>
+          </a:p>
+          <a:p>
+            <a:r>
+              <a:rPr lang="en-US" dirty="0" smtClean="0"/>
+              <a:t>12 Factor Apps</a:t>
+            </a:r>
+            <a:endParaRPr lang="en-US" dirty="0"/>
           </a:p>
         </p:txBody>
       </p:sp>
@@ -7933,8 +7944,19 @@
           <a:p>
             <a:r>
               <a:rPr lang="en-US" dirty="0"/>
-              <a:t> the distinction between simpler “inner architecture” and more complex “outer architecture”.</a:t>
-            </a:r>
+              <a:t> the distinction between simpler “inner architecture” and more complex “outer architecture</a:t>
+            </a:r>
+            <a:r>
+              <a:rPr lang="en-US" dirty="0" smtClean="0"/>
+              <a:t>”.</a:t>
+            </a:r>
+          </a:p>
+          <a:p>
+            <a:r>
+              <a:rPr lang="en-US" dirty="0" smtClean="0"/>
+              <a:t>Eureka </a:t>
+            </a:r>
+            <a:endParaRPr lang="en-US" dirty="0"/>
           </a:p>
         </p:txBody>
       </p:sp>
@@ -8403,7 +8425,7 @@
   <a:extraClrSchemeLst/>
   <a:extLst>
     <a:ext uri="{05A4C25C-085E-4340-85A3-A5531E510DB2}">
-      <thm15:themeFamily xmlns="" xmlns:thm15="http://schemas.microsoft.com/office/thememl/2012/main" name="Office Theme" id="{62F939B6-93AF-4DB8-9C6B-D6C7DFDC589F}" vid="{4A3C46E8-61CC-4603-A589-7422A47A8E4A}"/>
+      <thm15:themeFamily xmlns:thm15="http://schemas.microsoft.com/office/thememl/2012/main" xmlns="" name="Office Theme" id="{62F939B6-93AF-4DB8-9C6B-D6C7DFDC589F}" vid="{4A3C46E8-61CC-4603-A589-7422A47A8E4A}"/>
     </a:ext>
   </a:extLst>
 </a:theme>
@@ -8698,7 +8720,7 @@
   <a:extraClrSchemeLst/>
   <a:extLst>
     <a:ext uri="{05A4C25C-085E-4340-85A3-A5531E510DB2}">
-      <thm15:themeFamily xmlns="" xmlns:thm15="http://schemas.microsoft.com/office/thememl/2012/main" name="Office Theme" id="{62F939B6-93AF-4DB8-9C6B-D6C7DFDC589F}" vid="{4A3C46E8-61CC-4603-A589-7422A47A8E4A}"/>
+      <thm15:themeFamily xmlns:thm15="http://schemas.microsoft.com/office/thememl/2012/main" xmlns="" name="Office Theme" id="{62F939B6-93AF-4DB8-9C6B-D6C7DFDC589F}" vid="{4A3C46E8-61CC-4603-A589-7422A47A8E4A}"/>
     </a:ext>
   </a:extLst>
 </a:theme>
